--- a/SOA服务发现/服务发现.pptx
+++ b/SOA服务发现/服务发现.pptx
@@ -5,7 +5,7 @@
     <p:sldMasterId id="2147483660" r:id="rId1"/>
   </p:sldMasterIdLst>
   <p:notesMasterIdLst>
-    <p:notesMasterId r:id="rId15"/>
+    <p:notesMasterId r:id="rId20"/>
   </p:notesMasterIdLst>
   <p:sldIdLst>
     <p:sldId id="256" r:id="rId2"/>
@@ -13,14 +13,19 @@
     <p:sldId id="264" r:id="rId4"/>
     <p:sldId id="261" r:id="rId5"/>
     <p:sldId id="259" r:id="rId6"/>
-    <p:sldId id="260" r:id="rId7"/>
-    <p:sldId id="258" r:id="rId8"/>
-    <p:sldId id="265" r:id="rId9"/>
+    <p:sldId id="265" r:id="rId7"/>
+    <p:sldId id="260" r:id="rId8"/>
+    <p:sldId id="258" r:id="rId9"/>
     <p:sldId id="267" r:id="rId10"/>
     <p:sldId id="268" r:id="rId11"/>
     <p:sldId id="269" r:id="rId12"/>
-    <p:sldId id="266" r:id="rId13"/>
-    <p:sldId id="257" r:id="rId14"/>
+    <p:sldId id="274" r:id="rId13"/>
+    <p:sldId id="266" r:id="rId14"/>
+    <p:sldId id="271" r:id="rId15"/>
+    <p:sldId id="270" r:id="rId16"/>
+    <p:sldId id="272" r:id="rId17"/>
+    <p:sldId id="273" r:id="rId18"/>
+    <p:sldId id="257" r:id="rId19"/>
   </p:sldIdLst>
   <p:sldSz cx="9144000" cy="6858000" type="screen4x3"/>
   <p:notesSz cx="6858000" cy="9144000"/>
@@ -220,7 +225,7 @@
           <a:p>
             <a:fld id="{E45CAED5-394F-E941-8905-2F3D49560E04}" type="datetimeFigureOut">
               <a:rPr lang="en-US" smtClean="0"/>
-              <a:t>2/15/16</a:t>
+              <a:t>2/16/16</a:t>
             </a:fld>
             <a:endParaRPr lang="en-US"/>
           </a:p>
@@ -550,11 +555,7 @@
             </a:r>
             <a:r>
               <a:rPr kumimoji="1" lang="en-US" altLang="zh-CN" dirty="0" smtClean="0"/>
-              <a:t>/%</a:t>
-            </a:r>
-            <a:r>
-              <a:rPr kumimoji="1" lang="en-US" altLang="zh-CN" dirty="0" smtClean="0"/>
-              <a:t>E5%BE%AE%E6%9C%8D%E5%8A%A1%E6%9E%B6%E6%9E%84%E4%B8%AD%E7%9A%84%E6%9C%8D%E5%8A%A1%E5%8F%91%E7%8E%B0</a:t>
+              <a:t>/%E5%BE%AE%E6%9C%8D%E5%8A%A1%E6%9E%B6%E6%9E%84%E4%B8%AD%E7%9A%84%E6%9C%8D%E5%8A%A1%E5%8F%91%E7%8E%B0</a:t>
             </a:r>
             <a:endParaRPr kumimoji="1" lang="zh-CN" altLang="en-US" dirty="0" smtClean="0"/>
           </a:p>
@@ -898,7 +899,7 @@
             <a:pPr algn="l" eaLnBrk="1" latinLnBrk="0" hangingPunct="1"/>
             <a:fld id="{48D92626-37D2-4832-BF7A-BC283494A20D}" type="datetimeFigureOut">
               <a:rPr lang="en-US" smtClean="0"/>
-              <a:t>2/15/16</a:t>
+              <a:t>2/16/16</a:t>
             </a:fld>
             <a:endParaRPr lang="en-US"/>
           </a:p>
@@ -1099,7 +1100,7 @@
           <a:p>
             <a:fld id="{48D92626-37D2-4832-BF7A-BC283494A20D}" type="datetimeFigureOut">
               <a:rPr lang="en-US" smtClean="0"/>
-              <a:t>2/15/16</a:t>
+              <a:t>2/16/16</a:t>
             </a:fld>
             <a:endParaRPr lang="en-US"/>
           </a:p>
@@ -1287,7 +1288,7 @@
           <a:p>
             <a:fld id="{48D92626-37D2-4832-BF7A-BC283494A20D}" type="datetimeFigureOut">
               <a:rPr lang="en-US" smtClean="0"/>
-              <a:t>2/15/16</a:t>
+              <a:t>2/16/16</a:t>
             </a:fld>
             <a:endParaRPr lang="en-US"/>
           </a:p>
@@ -1516,7 +1517,7 @@
           <a:p>
             <a:fld id="{48D92626-37D2-4832-BF7A-BC283494A20D}" type="datetimeFigureOut">
               <a:rPr lang="en-US" smtClean="0"/>
-              <a:t>2/15/16</a:t>
+              <a:t>2/16/16</a:t>
             </a:fld>
             <a:endParaRPr lang="en-US"/>
           </a:p>
@@ -1798,7 +1799,7 @@
             <a:pPr algn="l" eaLnBrk="1" latinLnBrk="0" hangingPunct="1"/>
             <a:fld id="{48D92626-37D2-4832-BF7A-BC283494A20D}" type="datetimeFigureOut">
               <a:rPr lang="en-US" smtClean="0"/>
-              <a:t>2/15/16</a:t>
+              <a:t>2/16/16</a:t>
             </a:fld>
             <a:endParaRPr lang="en-US"/>
           </a:p>
@@ -2093,7 +2094,7 @@
           <a:p>
             <a:fld id="{48D92626-37D2-4832-BF7A-BC283494A20D}" type="datetimeFigureOut">
               <a:rPr lang="en-US" smtClean="0"/>
-              <a:t>2/15/16</a:t>
+              <a:t>2/16/16</a:t>
             </a:fld>
             <a:endParaRPr lang="en-US"/>
           </a:p>
@@ -2647,7 +2648,7 @@
           <a:p>
             <a:fld id="{48D92626-37D2-4832-BF7A-BC283494A20D}" type="datetimeFigureOut">
               <a:rPr lang="en-US" smtClean="0"/>
-              <a:t>2/15/16</a:t>
+              <a:t>2/16/16</a:t>
             </a:fld>
             <a:endParaRPr lang="en-US"/>
           </a:p>
@@ -2778,7 +2779,7 @@
           <a:p>
             <a:fld id="{48D92626-37D2-4832-BF7A-BC283494A20D}" type="datetimeFigureOut">
               <a:rPr lang="en-US" smtClean="0"/>
-              <a:t>2/15/16</a:t>
+              <a:t>2/16/16</a:t>
             </a:fld>
             <a:endParaRPr lang="en-US"/>
           </a:p>
@@ -2928,7 +2929,7 @@
           <a:p>
             <a:fld id="{48D92626-37D2-4832-BF7A-BC283494A20D}" type="datetimeFigureOut">
               <a:rPr lang="en-US" smtClean="0"/>
-              <a:t>2/15/16</a:t>
+              <a:t>2/16/16</a:t>
             </a:fld>
             <a:endParaRPr lang="en-US"/>
           </a:p>
@@ -3250,7 +3251,7 @@
             <a:pPr algn="l" eaLnBrk="1" latinLnBrk="0" hangingPunct="1"/>
             <a:fld id="{48D92626-37D2-4832-BF7A-BC283494A20D}" type="datetimeFigureOut">
               <a:rPr lang="en-US" smtClean="0"/>
-              <a:t>2/15/16</a:t>
+              <a:t>2/16/16</a:t>
             </a:fld>
             <a:endParaRPr lang="en-US"/>
           </a:p>
@@ -3555,7 +3556,7 @@
             <a:pPr algn="l" eaLnBrk="1" latinLnBrk="0" hangingPunct="1"/>
             <a:fld id="{48D92626-37D2-4832-BF7A-BC283494A20D}" type="datetimeFigureOut">
               <a:rPr lang="en-US" smtClean="0"/>
-              <a:t>2/15/16</a:t>
+              <a:t>2/16/16</a:t>
             </a:fld>
             <a:endParaRPr lang="en-US"/>
           </a:p>
@@ -3816,7 +3817,7 @@
             <a:pPr algn="l" eaLnBrk="1" latinLnBrk="0" hangingPunct="1"/>
             <a:fld id="{48D92626-37D2-4832-BF7A-BC283494A20D}" type="datetimeFigureOut">
               <a:rPr lang="en-US" smtClean="0"/>
-              <a:t>2/15/16</a:t>
+              <a:t>2/16/16</a:t>
             </a:fld>
             <a:endParaRPr lang="en-US" sz="1300" dirty="0">
               <a:solidFill>
@@ -4433,7 +4434,11 @@
           <a:bodyPr/>
           <a:lstStyle/>
           <a:p>
-            <a:endParaRPr kumimoji="1" lang="zh-CN" altLang="en-US"/>
+            <a:r>
+              <a:rPr kumimoji="1" lang="zh-CN" altLang="en-US" dirty="0" smtClean="0"/>
+              <a:t>安全问题</a:t>
+            </a:r>
+            <a:endParaRPr kumimoji="1" lang="zh-CN" altLang="en-US" dirty="0"/>
           </a:p>
         </p:txBody>
       </p:sp>
@@ -4529,7 +4534,11 @@
           <a:bodyPr/>
           <a:lstStyle/>
           <a:p>
-            <a:endParaRPr kumimoji="1" lang="zh-CN" altLang="en-US"/>
+            <a:r>
+              <a:rPr kumimoji="1" lang="zh-CN" altLang="en-US" dirty="0" smtClean="0"/>
+              <a:t>线上服务验证</a:t>
+            </a:r>
+            <a:endParaRPr kumimoji="1" lang="zh-CN" altLang="en-US" dirty="0"/>
           </a:p>
         </p:txBody>
       </p:sp>
@@ -4548,7 +4557,29 @@
           <a:bodyPr/>
           <a:lstStyle/>
           <a:p>
-            <a:endParaRPr kumimoji="1" lang="zh-CN" altLang="en-US"/>
+            <a:r>
+              <a:rPr kumimoji="1" lang="zh-CN" altLang="en-US" dirty="0"/>
+              <a:t>服务上线后，需要验证服务是否可用，但因防火墙的限制，线下是不能访问线上服务的，不得不先写好一个测试</a:t>
+            </a:r>
+            <a:r>
+              <a:rPr kumimoji="1" lang="en-US" altLang="zh-CN" dirty="0"/>
+              <a:t>Main</a:t>
+            </a:r>
+            <a:r>
+              <a:rPr kumimoji="1" lang="zh-CN" altLang="en-US" dirty="0"/>
+              <a:t>，然后放到线上去执行，非常麻烦，并且容易忘记验证</a:t>
+            </a:r>
+            <a:r>
+              <a:rPr kumimoji="1" lang="zh-CN" altLang="en-US" dirty="0" smtClean="0"/>
+              <a:t>。</a:t>
+            </a:r>
+          </a:p>
+          <a:p>
+            <a:r>
+              <a:rPr kumimoji="1" lang="zh-CN" altLang="en-US" dirty="0"/>
+              <a:t>所以线上需要有一个自动运行的验证程序，用户只需在界面上填上要验证的服务方法，以及参数值和期望的返回值，当有一个服务提供者上线时，将自动运行该用例，并将运行结果发邮件通知负责人。</a:t>
+            </a:r>
+            <a:endParaRPr kumimoji="1" lang="zh-CN" altLang="en-US" dirty="0"/>
           </a:p>
         </p:txBody>
       </p:sp>
@@ -4597,7 +4628,11 @@
           <a:bodyPr/>
           <a:lstStyle/>
           <a:p>
-            <a:endParaRPr kumimoji="1" lang="zh-CN" altLang="en-US"/>
+            <a:r>
+              <a:rPr kumimoji="1" lang="zh-CN" altLang="en-US" dirty="0" smtClean="0"/>
+              <a:t>服务的上线规范</a:t>
+            </a:r>
+            <a:endParaRPr kumimoji="1" lang="zh-CN" altLang="en-US" dirty="0"/>
           </a:p>
         </p:txBody>
       </p:sp>
@@ -4619,6 +4654,104 @@
           <a:lstStyle/>
           <a:p>
             <a:r>
+              <a:rPr kumimoji="1" lang="zh-CN" altLang="en-US" dirty="0"/>
+              <a:t>因为暴露服务很简单，服务的上线越来越随意，有时候负责服务化的架构师都不知道有人上线了某个服务，使得线上服务鱼龙混杂，甚至出现重复的服务，而服务下线比上线还困难</a:t>
+            </a:r>
+            <a:r>
+              <a:rPr kumimoji="1" lang="zh-CN" altLang="en-US" dirty="0" smtClean="0"/>
+              <a:t>。</a:t>
+            </a:r>
+          </a:p>
+          <a:p>
+            <a:r>
+              <a:rPr kumimoji="1" lang="zh-CN" altLang="en-US" dirty="0"/>
+              <a:t>需要一个新服务上线审批流程，必须经过服务化的架构师审批过了，才可以上线。 </a:t>
+            </a:r>
+            <a:endParaRPr kumimoji="1" lang="zh-CN" altLang="en-US" dirty="0" smtClean="0"/>
+          </a:p>
+          <a:p>
+            <a:r>
+              <a:rPr kumimoji="1" lang="zh-CN" altLang="en-US" dirty="0" smtClean="0"/>
+              <a:t>而</a:t>
+            </a:r>
+            <a:r>
+              <a:rPr kumimoji="1" lang="zh-CN" altLang="en-US" dirty="0"/>
+              <a:t>服务下线时，应先标识为过时，然后通知调用方尽快修改调用，直到没有人调此服务，才能下线。 </a:t>
+            </a:r>
+          </a:p>
+        </p:txBody>
+      </p:sp>
+    </p:spTree>
+    <p:extLst>
+      <p:ext uri="{BB962C8B-B14F-4D97-AF65-F5344CB8AC3E}">
+        <p14:creationId xmlns:p14="http://schemas.microsoft.com/office/powerpoint/2010/main" val="1343457856"/>
+      </p:ext>
+    </p:extLst>
+  </p:cSld>
+  <p:clrMapOvr>
+    <a:masterClrMapping/>
+  </p:clrMapOvr>
+</p:sld>
+</file>
+
+<file path=ppt/slides/slide13.xml><?xml version="1.0" encoding="utf-8"?>
+<p:sld xmlns:a="http://schemas.openxmlformats.org/drawingml/2006/main" xmlns:r="http://schemas.openxmlformats.org/officeDocument/2006/relationships" xmlns:p="http://schemas.openxmlformats.org/presentationml/2006/main">
+  <p:cSld>
+    <p:spTree>
+      <p:nvGrpSpPr>
+        <p:cNvPr id="1" name=""/>
+        <p:cNvGrpSpPr/>
+        <p:nvPr/>
+      </p:nvGrpSpPr>
+      <p:grpSpPr>
+        <a:xfrm>
+          <a:off x="0" y="0"/>
+          <a:ext cx="0" cy="0"/>
+          <a:chOff x="0" y="0"/>
+          <a:chExt cx="0" cy="0"/>
+        </a:xfrm>
+      </p:grpSpPr>
+      <p:sp>
+        <p:nvSpPr>
+          <p:cNvPr id="2" name="标题 1"/>
+          <p:cNvSpPr>
+            <a:spLocks noGrp="1"/>
+          </p:cNvSpPr>
+          <p:nvPr>
+            <p:ph type="title"/>
+          </p:nvPr>
+        </p:nvSpPr>
+        <p:spPr/>
+        <p:txBody>
+          <a:bodyPr/>
+          <a:lstStyle/>
+          <a:p>
+            <a:r>
+              <a:rPr kumimoji="1" lang="zh-CN" altLang="en-US" dirty="0" smtClean="0"/>
+              <a:t>功能模块拆分</a:t>
+            </a:r>
+            <a:endParaRPr kumimoji="1" lang="zh-CN" altLang="en-US" dirty="0"/>
+          </a:p>
+        </p:txBody>
+      </p:sp>
+      <p:sp>
+        <p:nvSpPr>
+          <p:cNvPr id="3" name="内容占位符 2"/>
+          <p:cNvSpPr>
+            <a:spLocks noGrp="1"/>
+          </p:cNvSpPr>
+          <p:nvPr>
+            <p:ph idx="1"/>
+          </p:nvPr>
+        </p:nvSpPr>
+        <p:spPr/>
+        <p:txBody>
+          <a:bodyPr>
+            <a:normAutofit fontScale="92500" lnSpcReduction="20000"/>
+          </a:bodyPr>
+          <a:lstStyle/>
+          <a:p>
+            <a:r>
               <a:rPr lang="zh-CN" altLang="en-US" dirty="0"/>
               <a:t>注册</a:t>
             </a:r>
@@ -4730,7 +4863,24 @@
           <a:p>
             <a:r>
               <a:rPr lang="zh-CN" altLang="en-US" dirty="0"/>
-              <a:t>服务心跳发送</a:t>
+              <a:t>服务心跳</a:t>
+            </a:r>
+            <a:r>
+              <a:rPr lang="zh-CN" altLang="en-US" dirty="0" smtClean="0"/>
+              <a:t>发送</a:t>
+            </a:r>
+          </a:p>
+          <a:p>
+            <a:r>
+              <a:rPr kumimoji="1" lang="zh-CN" altLang="en-US" dirty="0" smtClean="0"/>
+              <a:t>服务管理及配置</a:t>
+            </a:r>
+          </a:p>
+          <a:p>
+            <a:pPr lvl="1"/>
+            <a:r>
+              <a:rPr kumimoji="1" lang="zh-CN" altLang="en-US" dirty="0" smtClean="0"/>
+              <a:t>密钥管理</a:t>
             </a:r>
             <a:endParaRPr kumimoji="1" lang="zh-CN" altLang="en-US" dirty="0"/>
           </a:p>
@@ -4749,7 +4899,475 @@
 </p:sld>
 </file>
 
-<file path=ppt/slides/slide13.xml><?xml version="1.0" encoding="utf-8"?>
+<file path=ppt/slides/slide14.xml><?xml version="1.0" encoding="utf-8"?>
+<p:sld xmlns:a="http://schemas.openxmlformats.org/drawingml/2006/main" xmlns:r="http://schemas.openxmlformats.org/officeDocument/2006/relationships" xmlns:p="http://schemas.openxmlformats.org/presentationml/2006/main">
+  <p:cSld>
+    <p:spTree>
+      <p:nvGrpSpPr>
+        <p:cNvPr id="1" name=""/>
+        <p:cNvGrpSpPr/>
+        <p:nvPr/>
+      </p:nvGrpSpPr>
+      <p:grpSpPr>
+        <a:xfrm>
+          <a:off x="0" y="0"/>
+          <a:ext cx="0" cy="0"/>
+          <a:chOff x="0" y="0"/>
+          <a:chExt cx="0" cy="0"/>
+        </a:xfrm>
+      </p:grpSpPr>
+      <p:sp>
+        <p:nvSpPr>
+          <p:cNvPr id="2" name="标题 1"/>
+          <p:cNvSpPr>
+            <a:spLocks noGrp="1"/>
+          </p:cNvSpPr>
+          <p:nvPr>
+            <p:ph type="title"/>
+          </p:nvPr>
+        </p:nvSpPr>
+        <p:spPr/>
+        <p:txBody>
+          <a:bodyPr/>
+          <a:lstStyle/>
+          <a:p>
+            <a:r>
+              <a:rPr kumimoji="1" lang="zh-CN" altLang="en-US" dirty="0" smtClean="0"/>
+              <a:t>对外接口及功能</a:t>
+            </a:r>
+            <a:endParaRPr kumimoji="1" lang="zh-CN" altLang="en-US" dirty="0"/>
+          </a:p>
+        </p:txBody>
+      </p:sp>
+      <p:sp>
+        <p:nvSpPr>
+          <p:cNvPr id="3" name="内容占位符 2"/>
+          <p:cNvSpPr>
+            <a:spLocks noGrp="1"/>
+          </p:cNvSpPr>
+          <p:nvPr>
+            <p:ph idx="1"/>
+          </p:nvPr>
+        </p:nvSpPr>
+        <p:spPr/>
+        <p:txBody>
+          <a:bodyPr>
+            <a:normAutofit fontScale="92500" lnSpcReduction="20000"/>
+          </a:bodyPr>
+          <a:lstStyle/>
+          <a:p>
+            <a:pPr>
+              <a:lnSpc>
+                <a:spcPct val="150000"/>
+              </a:lnSpc>
+            </a:pPr>
+            <a:r>
+              <a:rPr kumimoji="1" lang="zh-CN" altLang="en-US" dirty="0" smtClean="0"/>
+              <a:t>封装生产者服务逻辑的代码组件</a:t>
+            </a:r>
+          </a:p>
+          <a:p>
+            <a:pPr lvl="1">
+              <a:lnSpc>
+                <a:spcPct val="150000"/>
+              </a:lnSpc>
+            </a:pPr>
+            <a:r>
+              <a:rPr kumimoji="1" lang="zh-CN" altLang="en-US" dirty="0" smtClean="0"/>
+              <a:t>服务协议规范</a:t>
+            </a:r>
+          </a:p>
+          <a:p>
+            <a:pPr lvl="1">
+              <a:lnSpc>
+                <a:spcPct val="150000"/>
+              </a:lnSpc>
+            </a:pPr>
+            <a:r>
+              <a:rPr kumimoji="1" lang="zh-CN" altLang="en-US" dirty="0" smtClean="0"/>
+              <a:t>服务注册</a:t>
+            </a:r>
+          </a:p>
+          <a:p>
+            <a:pPr lvl="1">
+              <a:lnSpc>
+                <a:spcPct val="150000"/>
+              </a:lnSpc>
+            </a:pPr>
+            <a:r>
+              <a:rPr kumimoji="1" lang="zh-CN" altLang="en-US" dirty="0" smtClean="0"/>
+              <a:t>心跳</a:t>
+            </a:r>
+          </a:p>
+          <a:p>
+            <a:pPr lvl="1">
+              <a:lnSpc>
+                <a:spcPct val="150000"/>
+              </a:lnSpc>
+            </a:pPr>
+            <a:r>
+              <a:rPr kumimoji="1" lang="zh-CN" altLang="en-US" dirty="0" smtClean="0"/>
+              <a:t>服务变更</a:t>
+            </a:r>
+          </a:p>
+          <a:p>
+            <a:pPr>
+              <a:lnSpc>
+                <a:spcPct val="150000"/>
+              </a:lnSpc>
+            </a:pPr>
+            <a:r>
+              <a:rPr kumimoji="1" lang="zh-CN" altLang="en-US" dirty="0" smtClean="0"/>
+              <a:t>封装消费者服务逻辑的代码组件</a:t>
+            </a:r>
+          </a:p>
+          <a:p>
+            <a:pPr lvl="1">
+              <a:lnSpc>
+                <a:spcPct val="150000"/>
+              </a:lnSpc>
+            </a:pPr>
+            <a:r>
+              <a:rPr kumimoji="1" lang="zh-CN" altLang="en-US" dirty="0" smtClean="0"/>
+              <a:t>订阅服务</a:t>
+            </a:r>
+          </a:p>
+          <a:p>
+            <a:pPr>
+              <a:lnSpc>
+                <a:spcPct val="150000"/>
+              </a:lnSpc>
+            </a:pPr>
+            <a:r>
+              <a:rPr kumimoji="1" lang="en-US" altLang="zh-CN" dirty="0" smtClean="0"/>
+              <a:t>SOA</a:t>
+            </a:r>
+            <a:r>
+              <a:rPr kumimoji="1" lang="zh-CN" altLang="en-US" dirty="0" smtClean="0"/>
+              <a:t>后台管理功能（</a:t>
+            </a:r>
+            <a:r>
+              <a:rPr kumimoji="1" lang="en-US" altLang="zh-CN" dirty="0" smtClean="0"/>
+              <a:t>Web</a:t>
+            </a:r>
+            <a:r>
+              <a:rPr kumimoji="1" lang="zh-CN" altLang="en-US" dirty="0" smtClean="0"/>
+              <a:t>界面）</a:t>
+            </a:r>
+            <a:endParaRPr kumimoji="1" lang="zh-CN" altLang="en-US" dirty="0"/>
+          </a:p>
+        </p:txBody>
+      </p:sp>
+    </p:spTree>
+    <p:extLst>
+      <p:ext uri="{BB962C8B-B14F-4D97-AF65-F5344CB8AC3E}">
+        <p14:creationId xmlns:p14="http://schemas.microsoft.com/office/powerpoint/2010/main" val="1365097726"/>
+      </p:ext>
+    </p:extLst>
+  </p:cSld>
+  <p:clrMapOvr>
+    <a:masterClrMapping/>
+  </p:clrMapOvr>
+</p:sld>
+</file>
+
+<file path=ppt/slides/slide15.xml><?xml version="1.0" encoding="utf-8"?>
+<p:sld xmlns:a="http://schemas.openxmlformats.org/drawingml/2006/main" xmlns:r="http://schemas.openxmlformats.org/officeDocument/2006/relationships" xmlns:p="http://schemas.openxmlformats.org/presentationml/2006/main">
+  <p:cSld>
+    <p:spTree>
+      <p:nvGrpSpPr>
+        <p:cNvPr id="1" name=""/>
+        <p:cNvGrpSpPr/>
+        <p:nvPr/>
+      </p:nvGrpSpPr>
+      <p:grpSpPr>
+        <a:xfrm>
+          <a:off x="0" y="0"/>
+          <a:ext cx="0" cy="0"/>
+          <a:chOff x="0" y="0"/>
+          <a:chExt cx="0" cy="0"/>
+        </a:xfrm>
+      </p:grpSpPr>
+      <p:sp>
+        <p:nvSpPr>
+          <p:cNvPr id="2" name="标题 1"/>
+          <p:cNvSpPr>
+            <a:spLocks noGrp="1"/>
+          </p:cNvSpPr>
+          <p:nvPr>
+            <p:ph type="title"/>
+          </p:nvPr>
+        </p:nvSpPr>
+        <p:spPr/>
+        <p:txBody>
+          <a:bodyPr/>
+          <a:lstStyle/>
+          <a:p>
+            <a:r>
+              <a:rPr kumimoji="1" lang="zh-CN" altLang="en-US" dirty="0" smtClean="0"/>
+              <a:t>数据存什么地方？</a:t>
+            </a:r>
+            <a:endParaRPr kumimoji="1" lang="zh-CN" altLang="en-US" dirty="0"/>
+          </a:p>
+        </p:txBody>
+      </p:sp>
+      <p:sp>
+        <p:nvSpPr>
+          <p:cNvPr id="3" name="内容占位符 2"/>
+          <p:cNvSpPr>
+            <a:spLocks noGrp="1"/>
+          </p:cNvSpPr>
+          <p:nvPr>
+            <p:ph idx="1"/>
+          </p:nvPr>
+        </p:nvSpPr>
+        <p:spPr/>
+        <p:txBody>
+          <a:bodyPr/>
+          <a:lstStyle/>
+          <a:p>
+            <a:pPr>
+              <a:lnSpc>
+                <a:spcPct val="150000"/>
+              </a:lnSpc>
+            </a:pPr>
+            <a:r>
+              <a:rPr kumimoji="1" lang="en-US" altLang="zh-CN" dirty="0" err="1" smtClean="0"/>
+              <a:t>ZooKeeper</a:t>
+            </a:r>
+            <a:r>
+              <a:rPr kumimoji="1" lang="zh-CN" altLang="en-US" dirty="0" smtClean="0"/>
+              <a:t>、</a:t>
+            </a:r>
+            <a:r>
+              <a:rPr kumimoji="1" lang="en-US" altLang="zh-CN" dirty="0" smtClean="0"/>
+              <a:t>Consul</a:t>
+            </a:r>
+            <a:r>
+              <a:rPr kumimoji="1" lang="zh-CN" altLang="en-US" dirty="0" smtClean="0"/>
+              <a:t>、</a:t>
+            </a:r>
+            <a:r>
+              <a:rPr kumimoji="1" lang="en-US" altLang="zh-CN" dirty="0" err="1" smtClean="0"/>
+              <a:t>Redis</a:t>
+            </a:r>
+            <a:r>
+              <a:rPr kumimoji="1" lang="zh-CN" altLang="en-US" dirty="0" smtClean="0"/>
+              <a:t>、</a:t>
+            </a:r>
+            <a:r>
+              <a:rPr kumimoji="1" lang="en-US" altLang="zh-CN" dirty="0" err="1" smtClean="0"/>
+              <a:t>Mongodb</a:t>
+            </a:r>
+            <a:r>
+              <a:rPr kumimoji="1" lang="zh-CN" altLang="en-US" dirty="0" smtClean="0"/>
+              <a:t>？</a:t>
+            </a:r>
+          </a:p>
+          <a:p>
+            <a:pPr>
+              <a:lnSpc>
+                <a:spcPct val="150000"/>
+              </a:lnSpc>
+            </a:pPr>
+            <a:r>
+              <a:rPr kumimoji="1" lang="zh-CN" altLang="en-US" dirty="0" smtClean="0"/>
+              <a:t>初期版本先兼容之前的，初期这里不会是瓶颈。</a:t>
+            </a:r>
+          </a:p>
+          <a:p>
+            <a:pPr>
+              <a:lnSpc>
+                <a:spcPct val="150000"/>
+              </a:lnSpc>
+            </a:pPr>
+            <a:r>
+              <a:rPr kumimoji="1" lang="zh-CN" altLang="en-US" dirty="0" smtClean="0"/>
+              <a:t>做好隔离，切换时，只需要切换组件。</a:t>
+            </a:r>
+            <a:endParaRPr kumimoji="1" lang="zh-CN" altLang="en-US" dirty="0"/>
+          </a:p>
+        </p:txBody>
+      </p:sp>
+    </p:spTree>
+    <p:extLst>
+      <p:ext uri="{BB962C8B-B14F-4D97-AF65-F5344CB8AC3E}">
+        <p14:creationId xmlns:p14="http://schemas.microsoft.com/office/powerpoint/2010/main" val="681444719"/>
+      </p:ext>
+    </p:extLst>
+  </p:cSld>
+  <p:clrMapOvr>
+    <a:masterClrMapping/>
+  </p:clrMapOvr>
+</p:sld>
+</file>
+
+<file path=ppt/slides/slide16.xml><?xml version="1.0" encoding="utf-8"?>
+<p:sld xmlns:a="http://schemas.openxmlformats.org/drawingml/2006/main" xmlns:r="http://schemas.openxmlformats.org/officeDocument/2006/relationships" xmlns:p="http://schemas.openxmlformats.org/presentationml/2006/main">
+  <p:cSld>
+    <p:spTree>
+      <p:nvGrpSpPr>
+        <p:cNvPr id="1" name=""/>
+        <p:cNvGrpSpPr/>
+        <p:nvPr/>
+      </p:nvGrpSpPr>
+      <p:grpSpPr>
+        <a:xfrm>
+          <a:off x="0" y="0"/>
+          <a:ext cx="0" cy="0"/>
+          <a:chOff x="0" y="0"/>
+          <a:chExt cx="0" cy="0"/>
+        </a:xfrm>
+      </p:grpSpPr>
+      <p:sp>
+        <p:nvSpPr>
+          <p:cNvPr id="2" name="标题 1"/>
+          <p:cNvSpPr>
+            <a:spLocks noGrp="1"/>
+          </p:cNvSpPr>
+          <p:nvPr>
+            <p:ph type="title"/>
+          </p:nvPr>
+        </p:nvSpPr>
+        <p:spPr/>
+        <p:txBody>
+          <a:bodyPr/>
+          <a:lstStyle/>
+          <a:p>
+            <a:r>
+              <a:rPr kumimoji="1" lang="zh-CN" altLang="en-US" dirty="0" smtClean="0"/>
+              <a:t>服务路由（负载均衡）</a:t>
+            </a:r>
+            <a:endParaRPr kumimoji="1" lang="zh-CN" altLang="en-US" dirty="0"/>
+          </a:p>
+        </p:txBody>
+      </p:sp>
+      <p:sp>
+        <p:nvSpPr>
+          <p:cNvPr id="4" name="文本占位符 3"/>
+          <p:cNvSpPr>
+            <a:spLocks noGrp="1"/>
+          </p:cNvSpPr>
+          <p:nvPr>
+            <p:ph type="body" idx="1"/>
+          </p:nvPr>
+        </p:nvSpPr>
+        <p:spPr/>
+        <p:txBody>
+          <a:bodyPr/>
+          <a:lstStyle/>
+          <a:p>
+            <a:endParaRPr kumimoji="1" lang="zh-CN" altLang="en-US"/>
+          </a:p>
+        </p:txBody>
+      </p:sp>
+    </p:spTree>
+    <p:extLst>
+      <p:ext uri="{BB962C8B-B14F-4D97-AF65-F5344CB8AC3E}">
+        <p14:creationId xmlns:p14="http://schemas.microsoft.com/office/powerpoint/2010/main" val="1018151290"/>
+      </p:ext>
+    </p:extLst>
+  </p:cSld>
+  <p:clrMapOvr>
+    <a:masterClrMapping/>
+  </p:clrMapOvr>
+</p:sld>
+</file>
+
+<file path=ppt/slides/slide17.xml><?xml version="1.0" encoding="utf-8"?>
+<p:sld xmlns:a="http://schemas.openxmlformats.org/drawingml/2006/main" xmlns:r="http://schemas.openxmlformats.org/officeDocument/2006/relationships" xmlns:p="http://schemas.openxmlformats.org/presentationml/2006/main">
+  <p:cSld>
+    <p:spTree>
+      <p:nvGrpSpPr>
+        <p:cNvPr id="1" name=""/>
+        <p:cNvGrpSpPr/>
+        <p:nvPr/>
+      </p:nvGrpSpPr>
+      <p:grpSpPr>
+        <a:xfrm>
+          <a:off x="0" y="0"/>
+          <a:ext cx="0" cy="0"/>
+          <a:chOff x="0" y="0"/>
+          <a:chExt cx="0" cy="0"/>
+        </a:xfrm>
+      </p:grpSpPr>
+      <p:sp>
+        <p:nvSpPr>
+          <p:cNvPr id="4" name="标题 3"/>
+          <p:cNvSpPr>
+            <a:spLocks noGrp="1"/>
+          </p:cNvSpPr>
+          <p:nvPr>
+            <p:ph type="title"/>
+          </p:nvPr>
+        </p:nvSpPr>
+        <p:spPr/>
+        <p:txBody>
+          <a:bodyPr/>
+          <a:lstStyle/>
+          <a:p>
+            <a:r>
+              <a:rPr kumimoji="1" lang="zh-CN" altLang="en-US" dirty="0" smtClean="0"/>
+              <a:t>服务路由优先级</a:t>
+            </a:r>
+            <a:endParaRPr kumimoji="1" lang="zh-CN" altLang="en-US" dirty="0"/>
+          </a:p>
+        </p:txBody>
+      </p:sp>
+      <p:sp>
+        <p:nvSpPr>
+          <p:cNvPr id="5" name="内容占位符 4"/>
+          <p:cNvSpPr>
+            <a:spLocks noGrp="1"/>
+          </p:cNvSpPr>
+          <p:nvPr>
+            <p:ph idx="1"/>
+          </p:nvPr>
+        </p:nvSpPr>
+        <p:spPr/>
+        <p:txBody>
+          <a:bodyPr/>
+          <a:lstStyle/>
+          <a:p>
+            <a:r>
+              <a:rPr kumimoji="1" lang="zh-CN" altLang="en-US" dirty="0"/>
+              <a:t>有</a:t>
+            </a:r>
+            <a:r>
+              <a:rPr kumimoji="1" lang="en-US" altLang="zh-CN" dirty="0"/>
+              <a:t>SLA</a:t>
+            </a:r>
+            <a:r>
+              <a:rPr kumimoji="1" lang="zh-CN" altLang="en-US" dirty="0"/>
+              <a:t>约定，如果不能控制，就只是君子协定，如何确保服务质量</a:t>
+            </a:r>
+            <a:r>
+              <a:rPr kumimoji="1" lang="zh-CN" altLang="en-US" dirty="0" smtClean="0"/>
+              <a:t>？</a:t>
+            </a:r>
+          </a:p>
+          <a:p>
+            <a:r>
+              <a:rPr kumimoji="1" lang="zh-CN" altLang="en-US" dirty="0"/>
+              <a:t>一个应用很重要，一个不那么重要，它们调用同一个服务，这个服务就应该向重要应用倾斜，而不是一视同仁，当支撑不住时，应限制不重要应用的访问，保障重要应用的可用，如何做到这一点呢。这时，就需要服务路由，控制不同应用访问不同机器</a:t>
+            </a:r>
+          </a:p>
+        </p:txBody>
+      </p:sp>
+    </p:spTree>
+    <p:extLst>
+      <p:ext uri="{BB962C8B-B14F-4D97-AF65-F5344CB8AC3E}">
+        <p14:creationId xmlns:p14="http://schemas.microsoft.com/office/powerpoint/2010/main" val="579052274"/>
+      </p:ext>
+    </p:extLst>
+  </p:cSld>
+  <p:clrMapOvr>
+    <a:masterClrMapping/>
+  </p:clrMapOvr>
+</p:sld>
+</file>
+
+<file path=ppt/slides/slide18.xml><?xml version="1.0" encoding="utf-8"?>
 <p:sld xmlns:a="http://schemas.openxmlformats.org/drawingml/2006/main" xmlns:r="http://schemas.openxmlformats.org/officeDocument/2006/relationships" xmlns:p="http://schemas.openxmlformats.org/presentationml/2006/main">
   <p:cSld>
     <p:spTree>
@@ -4843,14 +5461,14 @@
           </a:ln>
           <a:extLst>
             <a:ext uri="{909E8E84-426E-40dd-AFC4-6F175D3DCCD1}">
-              <a14:hiddenFill xmlns="" xmlns:a14="http://schemas.microsoft.com/office/drawing/2010/main">
+              <a14:hiddenFill xmlns:a14="http://schemas.microsoft.com/office/drawing/2010/main" xmlns="">
                 <a:solidFill>
                   <a:schemeClr val="accent1"/>
                 </a:solidFill>
               </a14:hiddenFill>
             </a:ext>
             <a:ext uri="{91240B29-F687-4f45-9708-019B960494DF}">
-              <a14:hiddenLine xmlns="" xmlns:a14="http://schemas.microsoft.com/office/drawing/2010/main" w="9525">
+              <a14:hiddenLine xmlns:a14="http://schemas.microsoft.com/office/drawing/2010/main" xmlns="" w="9525">
                 <a:solidFill>
                   <a:schemeClr val="tx1"/>
                 </a:solidFill>
@@ -5392,7 +6010,38 @@
             </a:pPr>
             <a:r>
               <a:rPr kumimoji="1" lang="zh-CN" altLang="en-US" dirty="0" smtClean="0"/>
-              <a:t>服务的颗粒度越低越好，便于后期可管理。</a:t>
+              <a:t>优缺点</a:t>
+            </a:r>
+            <a:endParaRPr kumimoji="1" lang="zh-CN" altLang="en-US" dirty="0" smtClean="0"/>
+          </a:p>
+          <a:p>
+            <a:pPr lvl="1">
+              <a:lnSpc>
+                <a:spcPct val="150000"/>
+              </a:lnSpc>
+            </a:pPr>
+            <a:r>
+              <a:rPr kumimoji="1" lang="zh-CN" altLang="en-US" dirty="0" smtClean="0"/>
+              <a:t>服务</a:t>
+            </a:r>
+            <a:r>
+              <a:rPr kumimoji="1" lang="zh-CN" altLang="en-US" dirty="0" smtClean="0"/>
+              <a:t>的颗粒度越低越好，便于后期可管理。</a:t>
+            </a:r>
+          </a:p>
+          <a:p>
+            <a:pPr lvl="1">
+              <a:lnSpc>
+                <a:spcPct val="150000"/>
+              </a:lnSpc>
+            </a:pPr>
+            <a:r>
+              <a:rPr kumimoji="1" lang="zh-CN" altLang="en-US" dirty="0" smtClean="0"/>
+              <a:t>颗粒度越低，初期初始化会变复杂</a:t>
+            </a:r>
+            <a:r>
+              <a:rPr kumimoji="1" lang="zh-CN" altLang="en-US" dirty="0" smtClean="0"/>
+              <a:t>。</a:t>
             </a:r>
           </a:p>
           <a:p>
@@ -5403,7 +6052,29 @@
             </a:pPr>
             <a:r>
               <a:rPr kumimoji="1" lang="zh-CN" altLang="en-US" dirty="0" smtClean="0"/>
-              <a:t>颗粒度越低，初期初始化会变复杂。</a:t>
+              <a:t>如何迁移和兼容？</a:t>
+            </a:r>
+          </a:p>
+          <a:p>
+            <a:pPr lvl="1">
+              <a:lnSpc>
+                <a:spcPct val="150000"/>
+              </a:lnSpc>
+            </a:pPr>
+            <a:r>
+              <a:rPr kumimoji="1" lang="zh-CN" altLang="en-US" dirty="0" smtClean="0"/>
+              <a:t>新旧并存一段时间；</a:t>
+            </a:r>
+          </a:p>
+          <a:p>
+            <a:pPr lvl="1">
+              <a:lnSpc>
+                <a:spcPct val="150000"/>
+              </a:lnSpc>
+            </a:pPr>
+            <a:r>
+              <a:rPr kumimoji="1" lang="zh-CN" altLang="en-US" dirty="0" smtClean="0"/>
+              <a:t>自动化＋手工补全；</a:t>
             </a:r>
             <a:endParaRPr kumimoji="1" lang="zh-CN" altLang="en-US" dirty="0"/>
           </a:p>
@@ -5451,38 +6122,63 @@
         </p:nvSpPr>
         <p:spPr/>
         <p:txBody>
-          <a:bodyPr>
-            <a:normAutofit/>
-          </a:bodyPr>
-          <a:lstStyle/>
-          <a:p>
-            <a:r>
-              <a:rPr kumimoji="1" lang="zh-CN" altLang="en-US" dirty="0" smtClean="0"/>
-              <a:t>要管理服务的版本么？</a:t>
-            </a:r>
-            <a:endParaRPr kumimoji="1" lang="zh-CN" altLang="en-US" dirty="0"/>
-          </a:p>
-        </p:txBody>
-      </p:sp>
-      <p:sp>
-        <p:nvSpPr>
-          <p:cNvPr id="3" name="内容占位符 2"/>
-          <p:cNvSpPr>
-            <a:spLocks noGrp="1"/>
-          </p:cNvSpPr>
-          <p:nvPr>
-            <p:ph idx="1"/>
-          </p:nvPr>
-        </p:nvSpPr>
-        <p:spPr/>
-        <p:txBody>
           <a:bodyPr/>
           <a:lstStyle/>
           <a:p>
             <a:r>
               <a:rPr kumimoji="1" lang="zh-CN" altLang="en-US" dirty="0" smtClean="0"/>
-              <a:t>服务发现不管理，要么各个业务线管理，要么再做一层服务代理。</a:t>
-            </a:r>
+              <a:t>服务</a:t>
+            </a:r>
+            <a:r>
+              <a:rPr kumimoji="1" lang="zh-CN" altLang="en-US" dirty="0" smtClean="0"/>
+              <a:t>注册自动化</a:t>
+            </a:r>
+            <a:endParaRPr kumimoji="1" lang="zh-CN" altLang="en-US" dirty="0"/>
+          </a:p>
+        </p:txBody>
+      </p:sp>
+      <p:sp>
+        <p:nvSpPr>
+          <p:cNvPr id="3" name="内容占位符 2"/>
+          <p:cNvSpPr>
+            <a:spLocks noGrp="1"/>
+          </p:cNvSpPr>
+          <p:nvPr>
+            <p:ph idx="1"/>
+          </p:nvPr>
+        </p:nvSpPr>
+        <p:spPr/>
+        <p:txBody>
+          <a:bodyPr/>
+          <a:lstStyle/>
+          <a:p>
+            <a:pPr>
+              <a:lnSpc>
+                <a:spcPct val="150000"/>
+              </a:lnSpc>
+            </a:pPr>
+            <a:r>
+              <a:rPr kumimoji="1" lang="zh-CN" altLang="en-US" dirty="0" smtClean="0"/>
+              <a:t>服务注册可自动化</a:t>
+            </a:r>
+          </a:p>
+          <a:p>
+            <a:pPr>
+              <a:lnSpc>
+                <a:spcPct val="150000"/>
+              </a:lnSpc>
+            </a:pPr>
+            <a:r>
+              <a:rPr kumimoji="1" lang="zh-CN" altLang="en-US" dirty="0" smtClean="0"/>
+              <a:t>组件化封装，封装的内部完成自动化注册、订阅。</a:t>
+            </a:r>
+          </a:p>
+          <a:p>
+            <a:pPr>
+              <a:lnSpc>
+                <a:spcPct val="150000"/>
+              </a:lnSpc>
+            </a:pPr>
             <a:endParaRPr kumimoji="1" lang="zh-CN" altLang="en-US" dirty="0"/>
           </a:p>
         </p:txBody>
@@ -5490,7 +6186,7 @@
     </p:spTree>
     <p:extLst>
       <p:ext uri="{BB962C8B-B14F-4D97-AF65-F5344CB8AC3E}">
-        <p14:creationId xmlns:p14="http://schemas.microsoft.com/office/powerpoint/2010/main" val="1521799334"/>
+        <p14:creationId xmlns:p14="http://schemas.microsoft.com/office/powerpoint/2010/main" val="1091467459"/>
       </p:ext>
     </p:extLst>
   </p:cSld>
@@ -5529,12 +6225,14 @@
         </p:nvSpPr>
         <p:spPr/>
         <p:txBody>
-          <a:bodyPr/>
+          <a:bodyPr>
+            <a:normAutofit/>
+          </a:bodyPr>
           <a:lstStyle/>
           <a:p>
             <a:r>
               <a:rPr kumimoji="1" lang="zh-CN" altLang="en-US" dirty="0" smtClean="0"/>
-              <a:t>需要分环境部署么？</a:t>
+              <a:t>要管理服务的版本么？</a:t>
             </a:r>
             <a:endParaRPr kumimoji="1" lang="zh-CN" altLang="en-US" dirty="0"/>
           </a:p>
@@ -5552,40 +6250,41 @@
         </p:nvSpPr>
         <p:spPr/>
         <p:txBody>
-          <a:bodyPr/>
+          <a:bodyPr>
+            <a:normAutofit lnSpcReduction="10000"/>
+          </a:bodyPr>
           <a:lstStyle/>
           <a:p>
-            <a:pPr>
-              <a:lnSpc>
-                <a:spcPct val="150000"/>
-              </a:lnSpc>
-            </a:pPr>
-            <a:r>
-              <a:rPr kumimoji="1" lang="zh-CN" altLang="en-US" dirty="0"/>
-              <a:t>服务发现</a:t>
-            </a:r>
             <a:r>
               <a:rPr kumimoji="1" lang="zh-CN" altLang="en-US" dirty="0" smtClean="0"/>
-              <a:t>支持不同环境，会让服务发现做复杂。</a:t>
-            </a:r>
-          </a:p>
-          <a:p>
-            <a:pPr>
-              <a:lnSpc>
-                <a:spcPct val="150000"/>
-              </a:lnSpc>
-            </a:pPr>
+              <a:t>服务发现不管理，要么各个业务线管理，要么再做一层服务代理</a:t>
+            </a:r>
             <a:r>
               <a:rPr kumimoji="1" lang="zh-CN" altLang="en-US" dirty="0" smtClean="0"/>
-              <a:t>服务降级至少需要同一个服务的</a:t>
-            </a:r>
-            <a:r>
-              <a:rPr kumimoji="1" lang="en-US" altLang="zh-CN" dirty="0" smtClean="0"/>
-              <a:t>2</a:t>
-            </a:r>
+              <a:t>。</a:t>
+            </a:r>
+          </a:p>
+          <a:p>
+            <a:endParaRPr kumimoji="1" lang="zh-CN" altLang="en-US" dirty="0" smtClean="0"/>
+          </a:p>
+          <a:p>
             <a:r>
               <a:rPr kumimoji="1" lang="zh-CN" altLang="en-US" dirty="0" smtClean="0"/>
-              <a:t>个环境服务：</a:t>
+              <a:t>功能版本信息</a:t>
+            </a:r>
+          </a:p>
+          <a:p>
+            <a:pPr lvl="1"/>
+            <a:r>
+              <a:rPr kumimoji="1" lang="zh-CN" altLang="en-US" dirty="0" smtClean="0"/>
+              <a:t>大版本（不兼容之前的）</a:t>
+            </a:r>
+          </a:p>
+          <a:p>
+            <a:pPr lvl="1"/>
+            <a:r>
+              <a:rPr kumimoji="1" lang="zh-CN" altLang="en-US" dirty="0" smtClean="0"/>
+              <a:t>小版本（兼容之前的）</a:t>
             </a:r>
           </a:p>
           <a:p>
@@ -5596,26 +6295,46 @@
             </a:pPr>
             <a:r>
               <a:rPr kumimoji="1" lang="zh-CN" altLang="en-US" dirty="0" smtClean="0"/>
-              <a:t>正常服务</a:t>
-            </a:r>
-          </a:p>
-          <a:p>
-            <a:pPr lvl="1">
+              <a:t>降</a:t>
+            </a:r>
+            <a:r>
+              <a:rPr kumimoji="1" lang="zh-CN" altLang="en-US" dirty="0"/>
+              <a:t>服务降级至少需要同一个服务的</a:t>
+            </a:r>
+            <a:r>
+              <a:rPr kumimoji="1" lang="en-US" altLang="zh-CN" dirty="0"/>
+              <a:t>2</a:t>
+            </a:r>
+            <a:r>
+              <a:rPr kumimoji="1" lang="zh-CN" altLang="en-US" dirty="0"/>
+              <a:t>个环境服务：</a:t>
+            </a:r>
+          </a:p>
+          <a:p>
+            <a:pPr lvl="2">
               <a:lnSpc>
                 <a:spcPct val="150000"/>
               </a:lnSpc>
             </a:pPr>
             <a:r>
-              <a:rPr kumimoji="1" lang="zh-CN" altLang="en-US" dirty="0" smtClean="0"/>
-              <a:t>降级后服务</a:t>
-            </a:r>
-          </a:p>
-          <a:p>
-            <a:pPr>
+              <a:rPr kumimoji="1" lang="zh-CN" altLang="en-US" dirty="0"/>
+              <a:t>正常服务</a:t>
+            </a:r>
+          </a:p>
+          <a:p>
+            <a:pPr lvl="2">
               <a:lnSpc>
                 <a:spcPct val="150000"/>
               </a:lnSpc>
             </a:pPr>
+            <a:r>
+              <a:rPr kumimoji="1" lang="zh-CN" altLang="en-US" dirty="0"/>
+              <a:t>降级后</a:t>
+            </a:r>
+            <a:r>
+              <a:rPr kumimoji="1" lang="zh-CN" altLang="en-US" dirty="0" smtClean="0"/>
+              <a:t>服务</a:t>
+            </a:r>
             <a:endParaRPr kumimoji="1" lang="zh-CN" altLang="en-US" dirty="0"/>
           </a:p>
         </p:txBody>
@@ -5623,7 +6342,7 @@
     </p:spTree>
     <p:extLst>
       <p:ext uri="{BB962C8B-B14F-4D97-AF65-F5344CB8AC3E}">
-        <p14:creationId xmlns:p14="http://schemas.microsoft.com/office/powerpoint/2010/main" val="1604931503"/>
+        <p14:creationId xmlns:p14="http://schemas.microsoft.com/office/powerpoint/2010/main" val="1521799334"/>
       </p:ext>
     </p:extLst>
   </p:cSld>
@@ -5667,7 +6386,15 @@
           <a:p>
             <a:r>
               <a:rPr kumimoji="1" lang="zh-CN" altLang="en-US" dirty="0" smtClean="0"/>
-              <a:t>服务注册可自动化么？</a:t>
+              <a:t>分</a:t>
+            </a:r>
+            <a:r>
+              <a:rPr kumimoji="1" lang="zh-CN" altLang="en-US" dirty="0" smtClean="0"/>
+              <a:t>环境</a:t>
+            </a:r>
+            <a:r>
+              <a:rPr kumimoji="1" lang="zh-CN" altLang="en-US" dirty="0" smtClean="0"/>
+              <a:t>部署</a:t>
             </a:r>
             <a:endParaRPr kumimoji="1" lang="zh-CN" altLang="en-US" dirty="0"/>
           </a:p>
@@ -5685,9 +6412,47 @@
         </p:nvSpPr>
         <p:spPr/>
         <p:txBody>
-          <a:bodyPr/>
+          <a:bodyPr>
+            <a:normAutofit/>
+          </a:bodyPr>
           <a:lstStyle/>
           <a:p>
+            <a:pPr>
+              <a:lnSpc>
+                <a:spcPct val="150000"/>
+              </a:lnSpc>
+            </a:pPr>
+            <a:r>
+              <a:rPr kumimoji="1" lang="zh-CN" altLang="en-US" dirty="0"/>
+              <a:t>服务发现</a:t>
+            </a:r>
+            <a:r>
+              <a:rPr kumimoji="1" lang="zh-CN" altLang="en-US" dirty="0" smtClean="0"/>
+              <a:t>支持不同环境，会让服务发现做复杂</a:t>
+            </a:r>
+            <a:r>
+              <a:rPr kumimoji="1" lang="zh-CN" altLang="en-US" dirty="0" smtClean="0"/>
+              <a:t>。</a:t>
+            </a:r>
+          </a:p>
+          <a:p>
+            <a:pPr>
+              <a:lnSpc>
+                <a:spcPct val="150000"/>
+              </a:lnSpc>
+            </a:pPr>
+            <a:r>
+              <a:rPr kumimoji="1" lang="zh-CN" altLang="en-US" dirty="0" smtClean="0"/>
+              <a:t>不同环境，涉及到不同的权限，所以环境版本不跟功能版本放一起。</a:t>
+            </a:r>
+            <a:endParaRPr kumimoji="1" lang="zh-CN" altLang="en-US" dirty="0" smtClean="0"/>
+          </a:p>
+          <a:p>
+            <a:pPr>
+              <a:lnSpc>
+                <a:spcPct val="150000"/>
+              </a:lnSpc>
+            </a:pPr>
             <a:endParaRPr kumimoji="1" lang="zh-CN" altLang="en-US" dirty="0"/>
           </a:p>
         </p:txBody>
@@ -5695,7 +6460,7 @@
     </p:spTree>
     <p:extLst>
       <p:ext uri="{BB962C8B-B14F-4D97-AF65-F5344CB8AC3E}">
-        <p14:creationId xmlns:p14="http://schemas.microsoft.com/office/powerpoint/2010/main" val="1091467459"/>
+        <p14:creationId xmlns:p14="http://schemas.microsoft.com/office/powerpoint/2010/main" val="1604931503"/>
       </p:ext>
     </p:extLst>
   </p:cSld>
@@ -5760,6 +6525,11 @@
           <a:bodyPr/>
           <a:lstStyle/>
           <a:p>
+            <a:pPr>
+              <a:lnSpc>
+                <a:spcPct val="150000"/>
+              </a:lnSpc>
+            </a:pPr>
             <a:r>
               <a:rPr lang="zh-CN" altLang="en-US" b="1" dirty="0"/>
               <a:t>服务多了，沟通成本也开始上升，调某个服务失败该找谁？服务的参数都有什么约定</a:t>
@@ -5770,6 +6540,11 @@
             </a:r>
           </a:p>
           <a:p>
+            <a:pPr>
+              <a:lnSpc>
+                <a:spcPct val="150000"/>
+              </a:lnSpc>
+            </a:pPr>
             <a:r>
               <a:rPr lang="zh-CN" altLang="en-US" dirty="0"/>
               <a:t>这时就需要登记每个服务都是谁负责的，并建立一个服务的文档库，方便检索。</a:t>
